--- a/lectures/02-ggplot2-crash-course.pptx
+++ b/lectures/02-ggplot2-crash-course.pptx
@@ -3900,8 +3900,12 @@
           <a:lstStyle/>
           <a:p>
             <a:r>
-              <a:rPr lang="en-US" sz="3200" dirty="0" smtClean="0"/>
-              <a:t>Workshop 1.2:</a:t>
+              <a:rPr lang="en-US" sz="2400" cap="none" dirty="0"/>
+              <a:t>MassMutual DSDP </a:t>
+            </a:r>
+            <a:r>
+              <a:rPr lang="en-US" sz="2400" cap="none" dirty="0" smtClean="0"/>
+              <a:t>2018: </a:t>
             </a:r>
             <a:r>
               <a:rPr lang="en-US" dirty="0" smtClean="0"/>
@@ -3911,18 +3915,18 @@
               <a:rPr lang="en-US" dirty="0" smtClean="0"/>
             </a:br>
             <a:r>
-              <a:rPr lang="en-US" dirty="0" smtClean="0"/>
+              <a:rPr lang="en-US" sz="4400" dirty="0" smtClean="0"/>
               <a:t>Crash Course in </a:t>
             </a:r>
             <a:r>
-              <a:rPr lang="en-US" cap="none" dirty="0">
+              <a:rPr lang="en-US" sz="4400" cap="none" dirty="0">
                 <a:latin typeface="Menlo" charset="0"/>
                 <a:ea typeface="Menlo" charset="0"/>
                 <a:cs typeface="Menlo" charset="0"/>
               </a:rPr>
               <a:t>ggplot2</a:t>
             </a:r>
-            <a:endParaRPr lang="en-US" cap="none" dirty="0">
+            <a:endParaRPr lang="en-US" sz="4400" cap="none" dirty="0">
               <a:latin typeface="Menlo" charset="0"/>
               <a:ea typeface="Menlo" charset="0"/>
               <a:cs typeface="Menlo" charset="0"/>

--- a/lectures/02-ggplot2-crash-course.pptx
+++ b/lectures/02-ggplot2-crash-course.pptx
@@ -216,7 +216,7 @@
             <a:fld id="{6F801F3F-85FD-4D6D-9902-DE21320E0477}" type="datetimeFigureOut">
               <a:rPr lang="en-US" smtClean="0"/>
               <a:pPr/>
-              <a:t>6/12/18</a:t>
+              <a:t>6/23/19</a:t>
             </a:fld>
             <a:endParaRPr lang="en-US"/>
           </a:p>
@@ -282,38 +282,37 @@
           <a:p>
             <a:pPr lvl="0"/>
             <a:r>
-              <a:rPr lang="en-US" smtClean="0"/>
+              <a:rPr lang="en-US"/>
               <a:t>Click to edit Master text styles</a:t>
             </a:r>
           </a:p>
           <a:p>
             <a:pPr lvl="1"/>
             <a:r>
-              <a:rPr lang="en-US" smtClean="0"/>
+              <a:rPr lang="en-US"/>
               <a:t>Second level</a:t>
             </a:r>
           </a:p>
           <a:p>
             <a:pPr lvl="2"/>
             <a:r>
-              <a:rPr lang="en-US" smtClean="0"/>
+              <a:rPr lang="en-US"/>
               <a:t>Third level</a:t>
             </a:r>
           </a:p>
           <a:p>
             <a:pPr lvl="3"/>
             <a:r>
-              <a:rPr lang="en-US" smtClean="0"/>
+              <a:rPr lang="en-US"/>
               <a:t>Fourth level</a:t>
             </a:r>
           </a:p>
           <a:p>
             <a:pPr lvl="4"/>
             <a:r>
-              <a:rPr lang="en-US" smtClean="0"/>
+              <a:rPr lang="en-US"/>
               <a:t>Fifth level</a:t>
             </a:r>
-            <a:endParaRPr lang="en-US"/>
           </a:p>
         </p:txBody>
       </p:sp>
@@ -621,10 +620,9 @@
           </a:lstStyle>
           <a:p>
             <a:r>
-              <a:rPr lang="en-US" dirty="0" smtClean="0"/>
+              <a:rPr lang="en-US" dirty="0"/>
               <a:t>Click to edit Master title style</a:t>
             </a:r>
-            <a:endParaRPr lang="en-US" dirty="0"/>
           </a:p>
         </p:txBody>
       </p:sp>
@@ -738,10 +736,9 @@
           </a:lstStyle>
           <a:p>
             <a:r>
-              <a:rPr lang="en-US" dirty="0" smtClean="0"/>
+              <a:rPr lang="en-US" dirty="0"/>
               <a:t>Click to edit Master subtitle style</a:t>
             </a:r>
-            <a:endParaRPr lang="en-US" dirty="0"/>
           </a:p>
         </p:txBody>
       </p:sp>
@@ -763,7 +760,7 @@
             <a:fld id="{104E1C1F-C217-4AD6-AF7C-55411A2E8AB0}" type="datetimeFigureOut">
               <a:rPr lang="en-US" smtClean="0"/>
               <a:pPr/>
-              <a:t>6/12/18</a:t>
+              <a:t>6/23/19</a:t>
             </a:fld>
             <a:endParaRPr lang="en-US"/>
           </a:p>
@@ -888,10 +885,9 @@
           <a:lstStyle/>
           <a:p>
             <a:r>
-              <a:rPr lang="en-US" smtClean="0"/>
+              <a:rPr lang="en-US"/>
               <a:t>Click to edit Master title style</a:t>
             </a:r>
-            <a:endParaRPr lang="en-US"/>
           </a:p>
         </p:txBody>
       </p:sp>
@@ -912,38 +908,37 @@
           <a:p>
             <a:pPr lvl="0"/>
             <a:r>
-              <a:rPr lang="en-US" smtClean="0"/>
+              <a:rPr lang="en-US"/>
               <a:t>Click to edit Master text styles</a:t>
             </a:r>
           </a:p>
           <a:p>
             <a:pPr lvl="1"/>
             <a:r>
-              <a:rPr lang="en-US" smtClean="0"/>
+              <a:rPr lang="en-US"/>
               <a:t>Second level</a:t>
             </a:r>
           </a:p>
           <a:p>
             <a:pPr lvl="2"/>
             <a:r>
-              <a:rPr lang="en-US" smtClean="0"/>
+              <a:rPr lang="en-US"/>
               <a:t>Third level</a:t>
             </a:r>
           </a:p>
           <a:p>
             <a:pPr lvl="3"/>
             <a:r>
-              <a:rPr lang="en-US" smtClean="0"/>
+              <a:rPr lang="en-US"/>
               <a:t>Fourth level</a:t>
             </a:r>
           </a:p>
           <a:p>
             <a:pPr lvl="4"/>
             <a:r>
-              <a:rPr lang="en-US" smtClean="0"/>
+              <a:rPr lang="en-US"/>
               <a:t>Fifth level</a:t>
             </a:r>
-            <a:endParaRPr lang="en-US"/>
           </a:p>
         </p:txBody>
       </p:sp>
@@ -965,7 +960,7 @@
             <a:fld id="{104E1C1F-C217-4AD6-AF7C-55411A2E8AB0}" type="datetimeFigureOut">
               <a:rPr lang="en-US" smtClean="0"/>
               <a:pPr/>
-              <a:t>6/12/18</a:t>
+              <a:t>6/23/19</a:t>
             </a:fld>
             <a:endParaRPr lang="en-US"/>
           </a:p>
@@ -1060,7 +1055,7 @@
           <a:lstStyle/>
           <a:p>
             <a:r>
-              <a:rPr lang="en-US" smtClean="0"/>
+              <a:rPr lang="en-US"/>
               <a:t>Click to edit Master title style</a:t>
             </a:r>
             <a:endParaRPr lang="en-US" dirty="0"/>
@@ -1089,35 +1084,35 @@
           <a:p>
             <a:pPr lvl="0"/>
             <a:r>
-              <a:rPr lang="en-US" smtClean="0"/>
+              <a:rPr lang="en-US"/>
               <a:t>Click to edit Master text styles</a:t>
             </a:r>
           </a:p>
           <a:p>
             <a:pPr lvl="1"/>
             <a:r>
-              <a:rPr lang="en-US" smtClean="0"/>
+              <a:rPr lang="en-US"/>
               <a:t>Second level</a:t>
             </a:r>
           </a:p>
           <a:p>
             <a:pPr lvl="2"/>
             <a:r>
-              <a:rPr lang="en-US" smtClean="0"/>
+              <a:rPr lang="en-US"/>
               <a:t>Third level</a:t>
             </a:r>
           </a:p>
           <a:p>
             <a:pPr lvl="3"/>
             <a:r>
-              <a:rPr lang="en-US" smtClean="0"/>
+              <a:rPr lang="en-US"/>
               <a:t>Fourth level</a:t>
             </a:r>
           </a:p>
           <a:p>
             <a:pPr lvl="4"/>
             <a:r>
-              <a:rPr lang="en-US" smtClean="0"/>
+              <a:rPr lang="en-US"/>
               <a:t>Fifth level</a:t>
             </a:r>
             <a:endParaRPr lang="en-US" dirty="0"/>
@@ -1142,7 +1137,7 @@
             <a:fld id="{104E1C1F-C217-4AD6-AF7C-55411A2E8AB0}" type="datetimeFigureOut">
               <a:rPr lang="en-US" smtClean="0"/>
               <a:pPr/>
-              <a:t>6/12/18</a:t>
+              <a:t>6/23/19</a:t>
             </a:fld>
             <a:endParaRPr lang="en-US"/>
           </a:p>
@@ -1232,10 +1227,9 @@
           <a:lstStyle/>
           <a:p>
             <a:r>
-              <a:rPr lang="en-US" smtClean="0"/>
+              <a:rPr lang="en-US"/>
               <a:t>Click to edit Master title style</a:t>
             </a:r>
-            <a:endParaRPr lang="en-US"/>
           </a:p>
         </p:txBody>
       </p:sp>
@@ -1263,38 +1257,37 @@
           <a:p>
             <a:pPr lvl="0"/>
             <a:r>
-              <a:rPr lang="en-US" dirty="0" smtClean="0"/>
+              <a:rPr lang="en-US" dirty="0"/>
               <a:t>Click to edit Master text styles</a:t>
             </a:r>
           </a:p>
           <a:p>
             <a:pPr lvl="1"/>
             <a:r>
-              <a:rPr lang="en-US" dirty="0" smtClean="0"/>
+              <a:rPr lang="en-US" dirty="0"/>
               <a:t>Second level</a:t>
             </a:r>
           </a:p>
           <a:p>
             <a:pPr lvl="2"/>
             <a:r>
-              <a:rPr lang="en-US" dirty="0" smtClean="0"/>
+              <a:rPr lang="en-US" dirty="0"/>
               <a:t>Third level</a:t>
             </a:r>
           </a:p>
           <a:p>
             <a:pPr lvl="3"/>
             <a:r>
-              <a:rPr lang="en-US" dirty="0" smtClean="0"/>
+              <a:rPr lang="en-US" dirty="0"/>
               <a:t>Fourth level</a:t>
             </a:r>
           </a:p>
           <a:p>
             <a:pPr lvl="4"/>
             <a:r>
-              <a:rPr lang="en-US" dirty="0" smtClean="0"/>
+              <a:rPr lang="en-US" dirty="0"/>
               <a:t>Fifth level</a:t>
             </a:r>
-            <a:endParaRPr lang="en-US" dirty="0"/>
           </a:p>
         </p:txBody>
       </p:sp>
@@ -1316,7 +1309,7 @@
             <a:fld id="{104E1C1F-C217-4AD6-AF7C-55411A2E8AB0}" type="datetimeFigureOut">
               <a:rPr lang="en-US" smtClean="0"/>
               <a:pPr/>
-              <a:t>6/12/18</a:t>
+              <a:t>6/23/19</a:t>
             </a:fld>
             <a:endParaRPr lang="en-US"/>
           </a:p>
@@ -1422,7 +1415,7 @@
           </a:lstStyle>
           <a:p>
             <a:r>
-              <a:rPr lang="en-US" smtClean="0"/>
+              <a:rPr lang="en-US"/>
               <a:t>Click to edit Master title style</a:t>
             </a:r>
             <a:endParaRPr lang="en-US" dirty="0"/>
@@ -1542,7 +1535,7 @@
           <a:p>
             <a:pPr lvl="0"/>
             <a:r>
-              <a:rPr lang="en-US" smtClean="0"/>
+              <a:rPr lang="en-US"/>
               <a:t>Click to edit Master text styles</a:t>
             </a:r>
           </a:p>
@@ -1566,7 +1559,7 @@
             <a:fld id="{104E1C1F-C217-4AD6-AF7C-55411A2E8AB0}" type="datetimeFigureOut">
               <a:rPr lang="en-US" smtClean="0"/>
               <a:pPr/>
-              <a:t>6/12/18</a:t>
+              <a:t>6/23/19</a:t>
             </a:fld>
             <a:endParaRPr lang="en-US"/>
           </a:p>
@@ -1691,10 +1684,9 @@
           <a:lstStyle/>
           <a:p>
             <a:r>
-              <a:rPr lang="en-US" smtClean="0"/>
+              <a:rPr lang="en-US"/>
               <a:t>Click to edit Master title style</a:t>
             </a:r>
-            <a:endParaRPr lang="en-US"/>
           </a:p>
         </p:txBody>
       </p:sp>
@@ -1748,38 +1740,37 @@
           <a:p>
             <a:pPr lvl="0"/>
             <a:r>
-              <a:rPr lang="en-US" dirty="0" smtClean="0"/>
+              <a:rPr lang="en-US" dirty="0"/>
               <a:t>Click to edit Master text styles</a:t>
             </a:r>
           </a:p>
           <a:p>
             <a:pPr lvl="1"/>
             <a:r>
-              <a:rPr lang="en-US" dirty="0" smtClean="0"/>
+              <a:rPr lang="en-US" dirty="0"/>
               <a:t>Second level</a:t>
             </a:r>
           </a:p>
           <a:p>
             <a:pPr lvl="2"/>
             <a:r>
-              <a:rPr lang="en-US" dirty="0" smtClean="0"/>
+              <a:rPr lang="en-US" dirty="0"/>
               <a:t>Third level</a:t>
             </a:r>
           </a:p>
           <a:p>
             <a:pPr lvl="3"/>
             <a:r>
-              <a:rPr lang="en-US" dirty="0" smtClean="0"/>
+              <a:rPr lang="en-US" dirty="0"/>
               <a:t>Fourth level</a:t>
             </a:r>
           </a:p>
           <a:p>
             <a:pPr lvl="4"/>
             <a:r>
-              <a:rPr lang="en-US" dirty="0" smtClean="0"/>
+              <a:rPr lang="en-US" dirty="0"/>
               <a:t>Fifth level</a:t>
             </a:r>
-            <a:endParaRPr lang="en-US" dirty="0"/>
           </a:p>
         </p:txBody>
       </p:sp>
@@ -1833,35 +1824,35 @@
           <a:p>
             <a:pPr lvl="0"/>
             <a:r>
-              <a:rPr lang="en-US" smtClean="0"/>
+              <a:rPr lang="en-US"/>
               <a:t>Click to edit Master text styles</a:t>
             </a:r>
           </a:p>
           <a:p>
             <a:pPr lvl="1"/>
             <a:r>
-              <a:rPr lang="en-US" smtClean="0"/>
+              <a:rPr lang="en-US"/>
               <a:t>Second level</a:t>
             </a:r>
           </a:p>
           <a:p>
             <a:pPr lvl="2"/>
             <a:r>
-              <a:rPr lang="en-US" smtClean="0"/>
+              <a:rPr lang="en-US"/>
               <a:t>Third level</a:t>
             </a:r>
           </a:p>
           <a:p>
             <a:pPr lvl="3"/>
             <a:r>
-              <a:rPr lang="en-US" smtClean="0"/>
+              <a:rPr lang="en-US"/>
               <a:t>Fourth level</a:t>
             </a:r>
           </a:p>
           <a:p>
             <a:pPr lvl="4"/>
             <a:r>
-              <a:rPr lang="en-US" smtClean="0"/>
+              <a:rPr lang="en-US"/>
               <a:t>Fifth level</a:t>
             </a:r>
             <a:endParaRPr lang="en-US" dirty="0"/>
@@ -1886,7 +1877,7 @@
             <a:fld id="{104E1C1F-C217-4AD6-AF7C-55411A2E8AB0}" type="datetimeFigureOut">
               <a:rPr lang="en-US" smtClean="0"/>
               <a:pPr/>
-              <a:t>6/12/18</a:t>
+              <a:t>6/23/19</a:t>
             </a:fld>
             <a:endParaRPr lang="en-US"/>
           </a:p>
@@ -1980,7 +1971,7 @@
           </a:lstStyle>
           <a:p>
             <a:r>
-              <a:rPr lang="en-US" smtClean="0"/>
+              <a:rPr lang="en-US"/>
               <a:t>Click to edit Master title style</a:t>
             </a:r>
             <a:endParaRPr lang="en-US" dirty="0"/>
@@ -2069,7 +2060,7 @@
           <a:p>
             <a:pPr lvl="0"/>
             <a:r>
-              <a:rPr lang="en-US" smtClean="0"/>
+              <a:rPr lang="en-US"/>
               <a:t>Click to edit Master text styles</a:t>
             </a:r>
           </a:p>
@@ -2125,35 +2116,35 @@
           <a:p>
             <a:pPr lvl="0"/>
             <a:r>
-              <a:rPr lang="en-US" smtClean="0"/>
+              <a:rPr lang="en-US"/>
               <a:t>Click to edit Master text styles</a:t>
             </a:r>
           </a:p>
           <a:p>
             <a:pPr lvl="1"/>
             <a:r>
-              <a:rPr lang="en-US" smtClean="0"/>
+              <a:rPr lang="en-US"/>
               <a:t>Second level</a:t>
             </a:r>
           </a:p>
           <a:p>
             <a:pPr lvl="2"/>
             <a:r>
-              <a:rPr lang="en-US" smtClean="0"/>
+              <a:rPr lang="en-US"/>
               <a:t>Third level</a:t>
             </a:r>
           </a:p>
           <a:p>
             <a:pPr lvl="3"/>
             <a:r>
-              <a:rPr lang="en-US" smtClean="0"/>
+              <a:rPr lang="en-US"/>
               <a:t>Fourth level</a:t>
             </a:r>
           </a:p>
           <a:p>
             <a:pPr lvl="4"/>
             <a:r>
-              <a:rPr lang="en-US" smtClean="0"/>
+              <a:rPr lang="en-US"/>
               <a:t>Fifth level</a:t>
             </a:r>
             <a:endParaRPr lang="en-US" dirty="0"/>
@@ -2245,7 +2236,7 @@
           <a:p>
             <a:pPr lvl="0"/>
             <a:r>
-              <a:rPr lang="en-US" smtClean="0"/>
+              <a:rPr lang="en-US"/>
               <a:t>Click to edit Master text styles</a:t>
             </a:r>
           </a:p>
@@ -2301,35 +2292,35 @@
           <a:p>
             <a:pPr lvl="0"/>
             <a:r>
-              <a:rPr lang="en-US" smtClean="0"/>
+              <a:rPr lang="en-US"/>
               <a:t>Click to edit Master text styles</a:t>
             </a:r>
           </a:p>
           <a:p>
             <a:pPr lvl="1"/>
             <a:r>
-              <a:rPr lang="en-US" smtClean="0"/>
+              <a:rPr lang="en-US"/>
               <a:t>Second level</a:t>
             </a:r>
           </a:p>
           <a:p>
             <a:pPr lvl="2"/>
             <a:r>
-              <a:rPr lang="en-US" smtClean="0"/>
+              <a:rPr lang="en-US"/>
               <a:t>Third level</a:t>
             </a:r>
           </a:p>
           <a:p>
             <a:pPr lvl="3"/>
             <a:r>
-              <a:rPr lang="en-US" smtClean="0"/>
+              <a:rPr lang="en-US"/>
               <a:t>Fourth level</a:t>
             </a:r>
           </a:p>
           <a:p>
             <a:pPr lvl="4"/>
             <a:r>
-              <a:rPr lang="en-US" smtClean="0"/>
+              <a:rPr lang="en-US"/>
               <a:t>Fifth level</a:t>
             </a:r>
             <a:endParaRPr lang="en-US" dirty="0"/>
@@ -2354,7 +2345,7 @@
             <a:fld id="{104E1C1F-C217-4AD6-AF7C-55411A2E8AB0}" type="datetimeFigureOut">
               <a:rPr lang="en-US" smtClean="0"/>
               <a:pPr/>
-              <a:t>6/12/18</a:t>
+              <a:t>6/23/19</a:t>
             </a:fld>
             <a:endParaRPr lang="en-US"/>
           </a:p>
@@ -2479,10 +2470,9 @@
           <a:lstStyle/>
           <a:p>
             <a:r>
-              <a:rPr lang="en-US" smtClean="0"/>
+              <a:rPr lang="en-US"/>
               <a:t>Click to edit Master title style</a:t>
             </a:r>
-            <a:endParaRPr lang="en-US"/>
           </a:p>
         </p:txBody>
       </p:sp>
@@ -2504,7 +2494,7 @@
             <a:fld id="{104E1C1F-C217-4AD6-AF7C-55411A2E8AB0}" type="datetimeFigureOut">
               <a:rPr lang="en-US" smtClean="0"/>
               <a:pPr/>
-              <a:t>6/12/18</a:t>
+              <a:t>6/23/19</a:t>
             </a:fld>
             <a:endParaRPr lang="en-US"/>
           </a:p>
@@ -2596,7 +2586,7 @@
             <a:fld id="{104E1C1F-C217-4AD6-AF7C-55411A2E8AB0}" type="datetimeFigureOut">
               <a:rPr lang="en-US" smtClean="0"/>
               <a:pPr/>
-              <a:t>6/12/18</a:t>
+              <a:t>6/23/19</a:t>
             </a:fld>
             <a:endParaRPr lang="en-US"/>
           </a:p>
@@ -2697,7 +2687,7 @@
           </a:lstStyle>
           <a:p>
             <a:r>
-              <a:rPr lang="en-US" smtClean="0"/>
+              <a:rPr lang="en-US"/>
               <a:t>Click to edit Master title style</a:t>
             </a:r>
             <a:endParaRPr lang="en-US" dirty="0"/>
@@ -2754,35 +2744,35 @@
           <a:p>
             <a:pPr lvl="0"/>
             <a:r>
-              <a:rPr lang="en-US" smtClean="0"/>
+              <a:rPr lang="en-US"/>
               <a:t>Click to edit Master text styles</a:t>
             </a:r>
           </a:p>
           <a:p>
             <a:pPr lvl="1"/>
             <a:r>
-              <a:rPr lang="en-US" smtClean="0"/>
+              <a:rPr lang="en-US"/>
               <a:t>Second level</a:t>
             </a:r>
           </a:p>
           <a:p>
             <a:pPr lvl="2"/>
             <a:r>
-              <a:rPr lang="en-US" smtClean="0"/>
+              <a:rPr lang="en-US"/>
               <a:t>Third level</a:t>
             </a:r>
           </a:p>
           <a:p>
             <a:pPr lvl="3"/>
             <a:r>
-              <a:rPr lang="en-US" smtClean="0"/>
+              <a:rPr lang="en-US"/>
               <a:t>Fourth level</a:t>
             </a:r>
           </a:p>
           <a:p>
             <a:pPr lvl="4"/>
             <a:r>
-              <a:rPr lang="en-US" smtClean="0"/>
+              <a:rPr lang="en-US"/>
               <a:t>Fifth level</a:t>
             </a:r>
             <a:endParaRPr lang="en-US" dirty="0"/>
@@ -2848,7 +2838,7 @@
           <a:p>
             <a:pPr lvl="0"/>
             <a:r>
-              <a:rPr lang="en-US" smtClean="0"/>
+              <a:rPr lang="en-US"/>
               <a:t>Click to edit Master text styles</a:t>
             </a:r>
           </a:p>
@@ -2872,7 +2862,7 @@
             <a:fld id="{104E1C1F-C217-4AD6-AF7C-55411A2E8AB0}" type="datetimeFigureOut">
               <a:rPr lang="en-US" smtClean="0"/>
               <a:pPr/>
-              <a:t>6/12/18</a:t>
+              <a:t>6/23/19</a:t>
             </a:fld>
             <a:endParaRPr lang="en-US"/>
           </a:p>
@@ -3008,7 +2998,7 @@
           </a:lstStyle>
           <a:p>
             <a:r>
-              <a:rPr lang="en-US" smtClean="0"/>
+              <a:rPr lang="en-US"/>
               <a:t>Click to edit Master title style</a:t>
             </a:r>
             <a:endParaRPr lang="en-US" dirty="0"/>
@@ -3089,7 +3079,7 @@
           </a:lstStyle>
           <a:p>
             <a:r>
-              <a:rPr lang="en-US" smtClean="0"/>
+              <a:rPr lang="en-US"/>
               <a:t>Drag picture to placeholder or click icon to add</a:t>
             </a:r>
             <a:endParaRPr lang="en-US" dirty="0"/>
@@ -3155,7 +3145,7 @@
           <a:p>
             <a:pPr lvl="0"/>
             <a:r>
-              <a:rPr lang="en-US" smtClean="0"/>
+              <a:rPr lang="en-US"/>
               <a:t>Click to edit Master text styles</a:t>
             </a:r>
           </a:p>
@@ -3179,7 +3169,7 @@
             <a:fld id="{104E1C1F-C217-4AD6-AF7C-55411A2E8AB0}" type="datetimeFigureOut">
               <a:rPr lang="en-US" smtClean="0"/>
               <a:pPr/>
-              <a:t>6/12/18</a:t>
+              <a:t>6/23/19</a:t>
             </a:fld>
             <a:endParaRPr lang="en-US"/>
           </a:p>
@@ -3330,10 +3320,9 @@
           <a:lstStyle/>
           <a:p>
             <a:r>
-              <a:rPr lang="en-US" dirty="0" smtClean="0"/>
+              <a:rPr lang="en-US" dirty="0"/>
               <a:t>Click to edit Master title style</a:t>
             </a:r>
-            <a:endParaRPr lang="en-US" dirty="0"/>
           </a:p>
         </p:txBody>
       </p:sp>
@@ -3364,38 +3353,37 @@
           <a:p>
             <a:pPr lvl="0"/>
             <a:r>
-              <a:rPr lang="en-US" dirty="0" smtClean="0"/>
+              <a:rPr lang="en-US" dirty="0"/>
               <a:t>Click to edit Master text styles</a:t>
             </a:r>
           </a:p>
           <a:p>
             <a:pPr lvl="1"/>
             <a:r>
-              <a:rPr lang="en-US" dirty="0" smtClean="0"/>
+              <a:rPr lang="en-US" dirty="0"/>
               <a:t>Second level</a:t>
             </a:r>
           </a:p>
           <a:p>
             <a:pPr lvl="2"/>
             <a:r>
-              <a:rPr lang="en-US" dirty="0" smtClean="0"/>
+              <a:rPr lang="en-US" dirty="0"/>
               <a:t> Third level</a:t>
             </a:r>
           </a:p>
           <a:p>
             <a:pPr lvl="3"/>
             <a:r>
-              <a:rPr lang="en-US" dirty="0" smtClean="0"/>
+              <a:rPr lang="en-US" dirty="0"/>
               <a:t>Fourth level</a:t>
             </a:r>
           </a:p>
           <a:p>
             <a:pPr lvl="4"/>
             <a:r>
-              <a:rPr lang="en-US" dirty="0" smtClean="0"/>
+              <a:rPr lang="en-US" dirty="0"/>
               <a:t>Fifth level</a:t>
             </a:r>
-            <a:endParaRPr lang="en-US" dirty="0"/>
           </a:p>
         </p:txBody>
       </p:sp>
@@ -3479,7 +3467,7 @@
             <a:fld id="{104E1C1F-C217-4AD6-AF7C-55411A2E8AB0}" type="datetimeFigureOut">
               <a:rPr lang="en-US" smtClean="0"/>
               <a:pPr/>
-              <a:t>6/12/18</a:t>
+              <a:t>6/23/19</a:t>
             </a:fld>
             <a:endParaRPr lang="en-US"/>
           </a:p>
@@ -3576,13 +3564,6 @@
     <p:sldLayoutId id="2147483670" r:id="rId10"/>
     <p:sldLayoutId id="2147483671" r:id="rId11"/>
   </p:sldLayoutIdLst>
-  <p:timing>
-    <p:tnLst>
-      <p:par>
-        <p:cTn id="1" dur="indefinite" restart="never" nodeType="tmRoot"/>
-      </p:par>
-    </p:tnLst>
-  </p:timing>
   <p:txStyles>
     <p:titleStyle>
       <a:lvl1pPr algn="l" defTabSz="914400" rtl="0" eaLnBrk="1" latinLnBrk="0" hangingPunct="1">
@@ -3901,21 +3882,13 @@
           <a:p>
             <a:r>
               <a:rPr lang="en-US" sz="2400" cap="none" dirty="0"/>
-              <a:t>MassMutual DSDP </a:t>
-            </a:r>
-            <a:r>
-              <a:rPr lang="en-US" sz="2400" cap="none" dirty="0" smtClean="0"/>
-              <a:t>2018: </a:t>
-            </a:r>
-            <a:r>
-              <a:rPr lang="en-US" dirty="0" smtClean="0"/>
-              <a:t/>
+              <a:t>MassMutual DSDP 2019: </a:t>
             </a:r>
             <a:br>
-              <a:rPr lang="en-US" dirty="0" smtClean="0"/>
+              <a:rPr lang="en-US" dirty="0"/>
             </a:br>
             <a:r>
-              <a:rPr lang="en-US" sz="4400" dirty="0" smtClean="0"/>
+              <a:rPr lang="en-US" sz="4400" dirty="0"/>
               <a:t>Crash Course in </a:t>
             </a:r>
             <a:r>
@@ -3926,11 +3899,6 @@
               </a:rPr>
               <a:t>ggplot2</a:t>
             </a:r>
-            <a:endParaRPr lang="en-US" sz="4400" cap="none" dirty="0">
-              <a:latin typeface="Menlo" charset="0"/>
-              <a:ea typeface="Menlo" charset="0"/>
-              <a:cs typeface="Menlo" charset="0"/>
-            </a:endParaRPr>
           </a:p>
         </p:txBody>
       </p:sp>
@@ -3957,38 +3925,32 @@
           <a:lstStyle/>
           <a:p>
             <a:r>
-              <a:rPr lang="en-US" dirty="0" smtClean="0"/>
-              <a:t>June 15, 2018</a:t>
-            </a:r>
-            <a:endParaRPr lang="en-US" dirty="0" smtClean="0"/>
-          </a:p>
-          <a:p>
-            <a:r>
-              <a:rPr lang="en-US" dirty="0" smtClean="0"/>
-              <a:t>R</a:t>
-            </a:r>
-            <a:r>
               <a:rPr lang="en-US" dirty="0"/>
-              <a:t>. Jordan </a:t>
-            </a:r>
-            <a:r>
-              <a:rPr lang="en-US" dirty="0" err="1" smtClean="0"/>
+              <a:t>June 24, 2019</a:t>
+            </a:r>
+          </a:p>
+          <a:p>
+            <a:r>
+              <a:rPr lang="en-US" dirty="0"/>
+              <a:t>R. Jordan </a:t>
+            </a:r>
+            <a:r>
+              <a:rPr lang="en-US" dirty="0" err="1"/>
               <a:t>Crouser</a:t>
             </a:r>
-            <a:endParaRPr lang="en-US" dirty="0" smtClean="0"/>
-          </a:p>
-          <a:p>
-            <a:r>
-              <a:rPr lang="en-US" dirty="0" smtClean="0"/>
+            <a:endParaRPr lang="en-US" dirty="0"/>
+          </a:p>
+          <a:p>
+            <a:r>
+              <a:rPr lang="en-US" dirty="0"/>
               <a:t>Assistant Professor of Computer Science</a:t>
             </a:r>
           </a:p>
           <a:p>
             <a:r>
-              <a:rPr lang="en-US" dirty="0" smtClean="0"/>
+              <a:rPr lang="en-US" dirty="0"/>
               <a:t>Smith College</a:t>
             </a:r>
-            <a:endParaRPr lang="en-US" dirty="0" smtClean="0"/>
           </a:p>
         </p:txBody>
       </p:sp>
@@ -4002,13 +3964,6 @@
   <p:clrMapOvr>
     <a:masterClrMapping/>
   </p:clrMapOvr>
-  <p:timing>
-    <p:tnLst>
-      <p:par>
-        <p:cTn id="1" dur="indefinite" restart="never" nodeType="tmRoot"/>
-      </p:par>
-    </p:tnLst>
-  </p:timing>
 </p:sld>
 </file>
 
@@ -4045,10 +4000,9 @@
           <a:lstStyle/>
           <a:p>
             <a:r>
-              <a:rPr lang="en-US" dirty="0" smtClean="0"/>
+              <a:rPr lang="en-US" dirty="0"/>
               <a:t>Outline</a:t>
             </a:r>
-            <a:endParaRPr lang="en-US" dirty="0"/>
           </a:p>
         </p:txBody>
       </p:sp>
@@ -4072,7 +4026,7 @@
               <a:buChar char="ü"/>
             </a:pPr>
             <a:r>
-              <a:rPr lang="en-US" dirty="0" smtClean="0">
+              <a:rPr lang="en-US" dirty="0">
                 <a:solidFill>
                   <a:schemeClr val="bg1">
                     <a:lumMod val="50000"/>
@@ -4088,24 +4042,30 @@
               <a:buChar char="ü"/>
             </a:pPr>
             <a:r>
-              <a:rPr lang="en-US" dirty="0" smtClean="0">
+              <a:rPr lang="en-US" dirty="0">
                 <a:solidFill>
                   <a:schemeClr val="bg1">
                     <a:lumMod val="50000"/>
                   </a:schemeClr>
                 </a:solidFill>
               </a:rPr>
-              <a:t>Visualization </a:t>
-            </a:r>
-            <a:r>
-              <a:rPr lang="en-US" dirty="0" smtClean="0">
+              <a:t>Visualization overview</a:t>
+            </a:r>
+          </a:p>
+          <a:p>
+            <a:pPr lvl="1">
+              <a:buFont typeface="Wingdings" charset="2"/>
+              <a:buChar char="ü"/>
+            </a:pPr>
+            <a:r>
+              <a:rPr lang="en-US" dirty="0">
                 <a:solidFill>
                   <a:schemeClr val="bg1">
                     <a:lumMod val="50000"/>
                   </a:schemeClr>
                 </a:solidFill>
               </a:rPr>
-              <a:t>overview</a:t>
+              <a:t>Flashback to early experiences in data wrangling</a:t>
             </a:r>
           </a:p>
           <a:p>
@@ -4114,40 +4074,7 @@
               <a:buChar char="ü"/>
             </a:pPr>
             <a:r>
-              <a:rPr lang="en-US" dirty="0" smtClean="0">
-                <a:solidFill>
-                  <a:schemeClr val="bg1">
-                    <a:lumMod val="50000"/>
-                  </a:schemeClr>
-                </a:solidFill>
-              </a:rPr>
-              <a:t>Flashback to </a:t>
-            </a:r>
-            <a:r>
-              <a:rPr lang="en-US" dirty="0" smtClean="0">
-                <a:solidFill>
-                  <a:schemeClr val="bg1">
-                    <a:lumMod val="50000"/>
-                  </a:schemeClr>
-                </a:solidFill>
-              </a:rPr>
-              <a:t>early experiences in data wrangling</a:t>
-            </a:r>
-            <a:endParaRPr lang="en-US" dirty="0" smtClean="0">
-              <a:solidFill>
-                <a:schemeClr val="bg1">
-                  <a:lumMod val="50000"/>
-                </a:schemeClr>
-              </a:solidFill>
-            </a:endParaRPr>
-          </a:p>
-          <a:p>
-            <a:pPr lvl="1">
-              <a:buFont typeface="Wingdings" charset="2"/>
-              <a:buChar char="ü"/>
-            </a:pPr>
-            <a:r>
-              <a:rPr lang="en-US" dirty="0" smtClean="0">
+              <a:rPr lang="en-US" dirty="0">
                 <a:solidFill>
                   <a:schemeClr val="bg1">
                     <a:lumMod val="50000"/>
@@ -4163,7 +4090,7 @@
               <a:buChar char="ü"/>
             </a:pPr>
             <a:r>
-              <a:rPr lang="en-US" dirty="0" smtClean="0">
+              <a:rPr lang="en-US" dirty="0">
                 <a:solidFill>
                   <a:schemeClr val="bg1">
                     <a:lumMod val="50000"/>
@@ -4179,7 +4106,7 @@
               <a:buChar char="ü"/>
             </a:pPr>
             <a:r>
-              <a:rPr lang="en-US" dirty="0" smtClean="0">
+              <a:rPr lang="en-US" dirty="0">
                 <a:solidFill>
                   <a:schemeClr val="bg1">
                     <a:lumMod val="50000"/>
@@ -4195,7 +4122,7 @@
               <a:buChar char="ü"/>
             </a:pPr>
             <a:r>
-              <a:rPr lang="en-US" dirty="0" smtClean="0">
+              <a:rPr lang="en-US" dirty="0">
                 <a:solidFill>
                   <a:schemeClr val="bg1">
                     <a:lumMod val="50000"/>
@@ -4211,55 +4138,24 @@
               <a:buChar char="ü"/>
             </a:pPr>
             <a:r>
-              <a:rPr lang="en-US" dirty="0" smtClean="0">
+              <a:rPr lang="en-US" dirty="0">
                 <a:solidFill>
                   <a:schemeClr val="bg1">
                     <a:lumMod val="50000"/>
                   </a:schemeClr>
                 </a:solidFill>
               </a:rPr>
-              <a:t>Pre-lunch a</a:t>
-            </a:r>
-            <a:r>
-              <a:rPr lang="en-US" dirty="0" smtClean="0">
-                <a:solidFill>
-                  <a:schemeClr val="bg1">
-                    <a:lumMod val="50000"/>
-                  </a:schemeClr>
-                </a:solidFill>
-              </a:rPr>
-              <a:t>ctivity</a:t>
-            </a:r>
-            <a:r>
-              <a:rPr lang="en-US" dirty="0" smtClean="0">
-                <a:solidFill>
-                  <a:schemeClr val="bg1">
-                    <a:lumMod val="50000"/>
-                  </a:schemeClr>
-                </a:solidFill>
-              </a:rPr>
-              <a:t>: mapping visual to data </a:t>
-            </a:r>
-            <a:r>
-              <a:rPr lang="en-US" dirty="0" smtClean="0">
-                <a:solidFill>
-                  <a:schemeClr val="bg1">
-                    <a:lumMod val="50000"/>
-                  </a:schemeClr>
-                </a:solidFill>
-              </a:rPr>
-              <a:t>dimensions</a:t>
-            </a:r>
-          </a:p>
-          <a:p>
-            <a:r>
-              <a:rPr lang="en-US" dirty="0" smtClean="0"/>
+              <a:t>Pre-lunch activity: mapping visual to data dimensions</a:t>
+            </a:r>
+          </a:p>
+          <a:p>
+            <a:r>
+              <a:rPr lang="en-US" dirty="0"/>
               <a:t>After lunch: ggplot2 crash course</a:t>
             </a:r>
-            <a:endParaRPr lang="en-US" dirty="0" smtClean="0"/>
-          </a:p>
-          <a:p>
-            <a:endParaRPr lang="en-US" dirty="0" smtClean="0"/>
+          </a:p>
+          <a:p>
+            <a:endParaRPr lang="en-US" dirty="0"/>
           </a:p>
           <a:p>
             <a:endParaRPr lang="en-US" dirty="0"/>
@@ -4276,13 +4172,6 @@
   <p:clrMapOvr>
     <a:masterClrMapping/>
   </p:clrMapOvr>
-  <p:timing>
-    <p:tnLst>
-      <p:par>
-        <p:cTn id="1" dur="indefinite" restart="never" nodeType="tmRoot"/>
-      </p:par>
-    </p:tnLst>
-  </p:timing>
 </p:sld>
 </file>
 
@@ -4319,10 +4208,9 @@
           <a:lstStyle/>
           <a:p>
             <a:r>
-              <a:rPr lang="en-US" dirty="0" smtClean="0"/>
+              <a:rPr lang="en-US" dirty="0"/>
               <a:t>10-minute crash course</a:t>
             </a:r>
-            <a:endParaRPr lang="en-US" dirty="0"/>
           </a:p>
         </p:txBody>
       </p:sp>
@@ -4335,15 +4223,20 @@
           <p:nvPr/>
         </p:nvPicPr>
         <p:blipFill>
-          <a:blip r:embed="rId2"/>
-          <a:stretch>
-            <a:fillRect/>
-          </a:stretch>
+          <a:blip r:embed="rId2">
+            <a:extLst>
+              <a:ext uri="{28A0092B-C50C-407E-A947-70E740481C1C}">
+                <a14:useLocalDpi xmlns:a14="http://schemas.microsoft.com/office/drawing/2010/main" val="0"/>
+              </a:ext>
+            </a:extLst>
+          </a:blip>
+          <a:srcRect/>
+          <a:stretch/>
         </p:blipFill>
         <p:spPr>
           <a:xfrm>
-            <a:off x="3429000" y="2380564"/>
-            <a:ext cx="2336800" cy="2628900"/>
+            <a:off x="2489200" y="1251679"/>
+            <a:ext cx="4216400" cy="4886670"/>
           </a:xfrm>
           <a:prstGeom prst="rect">
             <a:avLst/>
@@ -4358,10 +4251,10 @@
         </p:nvGrpSpPr>
         <p:grpSpPr>
           <a:xfrm>
-            <a:off x="1752600" y="1914780"/>
-            <a:ext cx="3624710" cy="1248222"/>
-            <a:chOff x="1752600" y="1914780"/>
-            <a:chExt cx="3624710" cy="1248222"/>
+            <a:off x="1479177" y="4471381"/>
+            <a:ext cx="2202593" cy="1706374"/>
+            <a:chOff x="2554932" y="984201"/>
+            <a:chExt cx="2202593" cy="1706374"/>
           </a:xfrm>
         </p:grpSpPr>
         <p:sp>
@@ -4372,8 +4265,8 @@
           </p:nvSpPr>
           <p:spPr>
             <a:xfrm>
-              <a:off x="1752600" y="1914780"/>
-              <a:ext cx="3624710" cy="461665"/>
+              <a:off x="2554932" y="1859578"/>
+              <a:ext cx="1999265" cy="830997"/>
             </a:xfrm>
             <a:prstGeom prst="rect">
               <a:avLst/>
@@ -4387,7 +4280,7 @@
             <a:lstStyle/>
             <a:p>
               <a:r>
-                <a:rPr lang="en-US" sz="2400" dirty="0" smtClean="0">
+                <a:rPr lang="en-US" sz="2400" dirty="0">
                   <a:solidFill>
                     <a:srgbClr val="003470"/>
                   </a:solidFill>
@@ -4395,7 +4288,7 @@
                 <a:t>“(g)</a:t>
               </a:r>
               <a:r>
-                <a:rPr lang="en-US" sz="2400" dirty="0" err="1" smtClean="0">
+                <a:rPr lang="en-US" sz="2400" dirty="0" err="1">
                   <a:solidFill>
                     <a:srgbClr val="003470"/>
                   </a:solidFill>
@@ -4403,15 +4296,25 @@
                 <a:t>rammar</a:t>
               </a:r>
               <a:r>
-                <a:rPr lang="en-US" sz="2400" dirty="0" smtClean="0">
+                <a:rPr lang="en-US" sz="2400" dirty="0">
                   <a:solidFill>
                     <a:srgbClr val="003470"/>
                   </a:solidFill>
                 </a:rPr>
-                <a:t> of (g)</a:t>
+                <a:t> </a:t>
+              </a:r>
+            </a:p>
+            <a:p>
+              <a:r>
+                <a:rPr lang="en-US" sz="2400" dirty="0">
+                  <a:solidFill>
+                    <a:srgbClr val="003470"/>
+                  </a:solidFill>
+                </a:rPr>
+                <a:t>of (g)</a:t>
               </a:r>
               <a:r>
-                <a:rPr lang="en-US" sz="2400" dirty="0" err="1" smtClean="0">
+                <a:rPr lang="en-US" sz="2400" dirty="0" err="1">
                   <a:solidFill>
                     <a:srgbClr val="003470"/>
                   </a:solidFill>
@@ -4419,18 +4322,13 @@
                 <a:t>raphics</a:t>
               </a:r>
               <a:r>
-                <a:rPr lang="en-US" sz="2400" dirty="0" smtClean="0">
+                <a:rPr lang="en-US" sz="2400" dirty="0">
                   <a:solidFill>
                     <a:srgbClr val="003470"/>
                   </a:solidFill>
                 </a:rPr>
                 <a:t>”</a:t>
               </a:r>
-              <a:endParaRPr lang="en-US" sz="2400" dirty="0">
-                <a:solidFill>
-                  <a:srgbClr val="003470"/>
-                </a:solidFill>
-              </a:endParaRPr>
             </a:p>
           </p:txBody>
         </p:sp>
@@ -4441,8 +4339,8 @@
             <p:nvPr/>
           </p:nvSpPr>
           <p:spPr>
-            <a:xfrm rot="7055293" flipV="1">
-              <a:off x="3362651" y="1960602"/>
+            <a:xfrm flipV="1">
+              <a:off x="3558028" y="984201"/>
               <a:ext cx="1199497" cy="1205303"/>
             </a:xfrm>
             <a:prstGeom prst="circularArrow">
@@ -4462,6 +4360,13 @@
                 <a:srgbClr val="003470"/>
               </a:solidFill>
             </a:ln>
+            <a:effectLst>
+              <a:glow rad="101600">
+                <a:srgbClr val="92D050">
+                  <a:alpha val="60000"/>
+                </a:srgbClr>
+              </a:glow>
+            </a:effectLst>
           </p:spPr>
           <p:style>
             <a:lnRef idx="2">
@@ -4615,13 +4520,8 @@
           <a:p>
             <a:r>
               <a:rPr lang="en-US" dirty="0"/>
-              <a:t>What i</a:t>
-            </a:r>
-            <a:r>
-              <a:rPr lang="en-US" dirty="0" smtClean="0"/>
-              <a:t>s the “Grammar of Graphics”?</a:t>
-            </a:r>
-            <a:endParaRPr lang="en-US" dirty="0"/>
+              <a:t>What is the “Grammar of Graphics”?</a:t>
+            </a:r>
           </a:p>
         </p:txBody>
       </p:sp>
@@ -4643,7 +4543,7 @@
           <a:lstStyle/>
           <a:p>
             <a:r>
-              <a:rPr lang="en-US" b="1" dirty="0" smtClean="0"/>
+              <a:rPr lang="en-US" b="1" dirty="0"/>
               <a:t>Big idea</a:t>
             </a:r>
             <a:r>
@@ -4656,83 +4556,55 @@
             </a:r>
             <a:r>
               <a:rPr lang="en-US" dirty="0"/>
-              <a:t>and combine them to create </a:t>
-            </a:r>
-            <a:r>
-              <a:rPr lang="en-US" dirty="0" smtClean="0"/>
-              <a:t>graphical displays</a:t>
-            </a:r>
-            <a:endParaRPr lang="en-US" dirty="0"/>
+              <a:t>and combine them to create graphical displays</a:t>
+            </a:r>
           </a:p>
           <a:p>
             <a:r>
               <a:rPr lang="en-US" dirty="0"/>
-              <a:t>Building </a:t>
-            </a:r>
-            <a:r>
-              <a:rPr lang="en-US" dirty="0" smtClean="0"/>
-              <a:t>blocks include</a:t>
-            </a:r>
+              <a:t>Building blocks include:</a:t>
+            </a:r>
+          </a:p>
+          <a:p>
+            <a:pPr lvl="1"/>
             <a:r>
               <a:rPr lang="en-US" dirty="0"/>
-              <a:t>:</a:t>
+              <a:t>data (obvi.)</a:t>
             </a:r>
           </a:p>
           <a:p>
             <a:pPr lvl="1"/>
             <a:r>
-              <a:rPr lang="en-US" dirty="0" smtClean="0"/>
-              <a:t>data (obvi.)</a:t>
-            </a:r>
-            <a:endParaRPr lang="en-US" dirty="0"/>
+              <a:rPr lang="en-US" dirty="0"/>
+              <a:t>geometric objects (the literal stuff we draw)</a:t>
+            </a:r>
           </a:p>
           <a:p>
             <a:pPr lvl="1"/>
             <a:r>
-              <a:rPr lang="en-US" dirty="0" smtClean="0"/>
-              <a:t>geometric objects (the literal stuff we draw)</a:t>
+              <a:rPr lang="en-US" dirty="0"/>
+              <a:t>aesthetic mappings (how we draw that stuff)</a:t>
             </a:r>
           </a:p>
           <a:p>
             <a:pPr lvl="1"/>
             <a:r>
               <a:rPr lang="en-US" dirty="0"/>
-              <a:t>aesthetic </a:t>
-            </a:r>
-            <a:r>
-              <a:rPr lang="en-US" dirty="0" smtClean="0"/>
-              <a:t>mappings (how we draw that stuff)</a:t>
-            </a:r>
-            <a:endParaRPr lang="en-US" dirty="0"/>
+              <a:t>statistical transformations (underlying model)</a:t>
+            </a:r>
           </a:p>
           <a:p>
             <a:pPr lvl="1"/>
             <a:r>
               <a:rPr lang="en-US" dirty="0"/>
-              <a:t>statistical </a:t>
-            </a:r>
-            <a:r>
-              <a:rPr lang="en-US" dirty="0" smtClean="0"/>
-              <a:t>transformations (underlying model)</a:t>
-            </a:r>
-            <a:endParaRPr lang="en-US" dirty="0"/>
+              <a:t>scales (range of values, colors, etc.)</a:t>
+            </a:r>
           </a:p>
           <a:p>
             <a:pPr lvl="1"/>
             <a:r>
-              <a:rPr lang="en-US" dirty="0" smtClean="0"/>
-              <a:t>scales (range of values, colors, etc.)</a:t>
-            </a:r>
-          </a:p>
-          <a:p>
-            <a:pPr lvl="1"/>
-            <a:r>
               <a:rPr lang="en-US" dirty="0"/>
-              <a:t>f</a:t>
-            </a:r>
-            <a:r>
-              <a:rPr lang="en-US" dirty="0" smtClean="0"/>
-              <a:t>aceting (small multiples)</a:t>
+              <a:t>faceting (small multiples)</a:t>
             </a:r>
           </a:p>
           <a:p>
@@ -5215,20 +5087,8 @@
           <a:lstStyle/>
           <a:p>
             <a:r>
-              <a:rPr lang="en-US" dirty="0" smtClean="0"/>
-              <a:t>Geometric </a:t>
-            </a:r>
-            <a:r>
               <a:rPr lang="en-US" dirty="0"/>
-              <a:t>o</a:t>
-            </a:r>
-            <a:r>
-              <a:rPr lang="en-US" dirty="0" smtClean="0"/>
-              <a:t>bjects </a:t>
-            </a:r>
-            <a:r>
-              <a:rPr lang="en-US" dirty="0"/>
-              <a:t>(</a:t>
+              <a:t>Geometric objects (</a:t>
             </a:r>
             <a:r>
               <a:rPr lang="en-US" dirty="0" err="1">
@@ -5239,10 +5099,9 @@
               <a:t>geom</a:t>
             </a:r>
             <a:r>
-              <a:rPr lang="en-US" dirty="0" smtClean="0"/>
+              <a:rPr lang="en-US" dirty="0"/>
               <a:t>)</a:t>
             </a:r>
-            <a:endParaRPr lang="en-US" dirty="0"/>
           </a:p>
         </p:txBody>
       </p:sp>
@@ -5262,11 +5121,11 @@
           <a:lstStyle/>
           <a:p>
             <a:r>
-              <a:rPr lang="en-US" dirty="0" smtClean="0"/>
+              <a:rPr lang="en-US" dirty="0"/>
               <a:t>In </a:t>
             </a:r>
             <a:r>
-              <a:rPr lang="en-US" dirty="0" smtClean="0">
+              <a:rPr lang="en-US" dirty="0">
                 <a:latin typeface="Courier" charset="0"/>
                 <a:ea typeface="Courier" charset="0"/>
                 <a:cs typeface="Courier" charset="0"/>
@@ -5274,45 +5133,32 @@
               <a:t>ggplot2</a:t>
             </a:r>
             <a:r>
-              <a:rPr lang="en-US" dirty="0" smtClean="0"/>
-              <a:t>, the actual </a:t>
-            </a:r>
-            <a:r>
               <a:rPr lang="en-US" dirty="0"/>
-              <a:t>marks we put on a </a:t>
-            </a:r>
-            <a:r>
-              <a:rPr lang="en-US" dirty="0" smtClean="0"/>
-              <a:t>plot are called </a:t>
-            </a:r>
-            <a:r>
-              <a:rPr lang="en-US" i="1" dirty="0" smtClean="0"/>
-              <a:t>geometric </a:t>
+              <a:t>, the actual marks we put on a plot are called </a:t>
             </a:r>
             <a:r>
               <a:rPr lang="en-US" i="1" dirty="0"/>
-              <a:t>objects </a:t>
+              <a:t>geometric objects </a:t>
             </a:r>
             <a:r>
               <a:rPr lang="en-US" dirty="0"/>
               <a:t>or </a:t>
             </a:r>
             <a:r>
-              <a:rPr lang="en-US" dirty="0" err="1" smtClean="0">
+              <a:rPr lang="en-US" dirty="0" err="1">
                 <a:latin typeface="Courier" charset="0"/>
                 <a:ea typeface="Courier" charset="0"/>
                 <a:cs typeface="Courier" charset="0"/>
               </a:rPr>
               <a:t>geoms</a:t>
             </a:r>
-            <a:endParaRPr lang="en-US" dirty="0" smtClean="0"/>
-          </a:p>
-          <a:p>
-            <a:r>
-              <a:rPr lang="en-US" dirty="0" smtClean="0"/>
+            <a:endParaRPr lang="en-US" dirty="0"/>
+          </a:p>
+          <a:p>
+            <a:r>
+              <a:rPr lang="en-US" dirty="0"/>
               <a:t>Examples:</a:t>
             </a:r>
-            <a:endParaRPr lang="en-US" dirty="0"/>
           </a:p>
           <a:p>
             <a:pPr lvl="1"/>
@@ -5330,13 +5176,8 @@
             </a:r>
             <a:r>
               <a:rPr lang="en-US" dirty="0"/>
-              <a:t>, for scatter plots, dot plots, </a:t>
-            </a:r>
-            <a:r>
-              <a:rPr lang="en-US" dirty="0" smtClean="0"/>
-              <a:t>etc.)</a:t>
-            </a:r>
-            <a:endParaRPr lang="en-US" dirty="0"/>
+              <a:t>, for scatter plots, dot plots, etc.)</a:t>
+            </a:r>
           </a:p>
           <a:p>
             <a:pPr lvl="1"/>
@@ -5354,13 +5195,8 @@
             </a:r>
             <a:r>
               <a:rPr lang="en-US" dirty="0"/>
-              <a:t>, for time series, trend lines, </a:t>
-            </a:r>
-            <a:r>
-              <a:rPr lang="en-US" dirty="0" smtClean="0"/>
-              <a:t>etc.)</a:t>
-            </a:r>
-            <a:endParaRPr lang="en-US" dirty="0"/>
+              <a:t>, for time series, trend lines, etc.)</a:t>
+            </a:r>
           </a:p>
           <a:p>
             <a:pPr lvl="1"/>
@@ -5384,20 +5220,8 @@
           <a:p>
             <a:pPr lvl="1"/>
             <a:r>
-              <a:rPr lang="en-US" dirty="0" smtClean="0"/>
-              <a:t>… and </a:t>
-            </a:r>
-            <a:r>
               <a:rPr lang="en-US" dirty="0"/>
-              <a:t>many </a:t>
-            </a:r>
-            <a:r>
-              <a:rPr lang="en-US" dirty="0" smtClean="0"/>
-              <a:t>more</a:t>
-            </a:r>
-            <a:r>
-              <a:rPr lang="en-US" dirty="0"/>
-              <a:t>!</a:t>
+              <a:t>… and many more!</a:t>
             </a:r>
           </a:p>
           <a:p>
@@ -5738,15 +5562,7 @@
           <a:p>
             <a:r>
               <a:rPr lang="en-US" dirty="0"/>
-              <a:t>Aesthetic </a:t>
-            </a:r>
-            <a:r>
-              <a:rPr lang="en-US" dirty="0" smtClean="0"/>
-              <a:t>mapping </a:t>
-            </a:r>
-            <a:r>
-              <a:rPr lang="en-US" dirty="0"/>
-              <a:t>(</a:t>
+              <a:t>Aesthetic mapping (</a:t>
             </a:r>
             <a:r>
               <a:rPr lang="en-US" dirty="0" err="1">
@@ -5785,7 +5601,7 @@
               <a:t>In </a:t>
             </a:r>
             <a:r>
-              <a:rPr lang="en-US" dirty="0" smtClean="0">
+              <a:rPr lang="en-US" dirty="0">
                 <a:latin typeface="Courier" charset="0"/>
                 <a:ea typeface="Courier" charset="0"/>
                 <a:cs typeface="Courier" charset="0"/>
@@ -5793,12 +5609,8 @@
               <a:t>ggplot2</a:t>
             </a:r>
             <a:r>
-              <a:rPr lang="en-US" dirty="0" smtClean="0"/>
-              <a:t>, an</a:t>
-            </a:r>
-            <a:r>
               <a:rPr lang="en-US" dirty="0"/>
-              <a:t> </a:t>
+              <a:t>, an </a:t>
             </a:r>
             <a:r>
               <a:rPr lang="en-US" i="1" dirty="0"/>
@@ -5806,11 +5618,7 @@
             </a:r>
             <a:r>
               <a:rPr lang="en-US" dirty="0"/>
-              <a:t> means “something you can see</a:t>
-            </a:r>
-            <a:r>
-              <a:rPr lang="en-US" dirty="0" smtClean="0"/>
-              <a:t>”</a:t>
+              <a:t> means “something you can see”</a:t>
             </a:r>
           </a:p>
           <a:p>
@@ -5836,22 +5644,13 @@
             </a:r>
             <a:r>
               <a:rPr lang="en-US" dirty="0"/>
-              <a:t> </a:t>
-            </a:r>
-            <a:r>
-              <a:rPr lang="en-US" dirty="0" smtClean="0"/>
-              <a:t>function</a:t>
-            </a:r>
-            <a:endParaRPr lang="en-US" dirty="0"/>
-          </a:p>
-          <a:p>
-            <a:r>
-              <a:rPr lang="en-US" dirty="0" smtClean="0"/>
-              <a:t>Each </a:t>
-            </a:r>
+              <a:t> function</a:t>
+            </a:r>
+          </a:p>
+          <a:p>
             <a:r>
               <a:rPr lang="en-US" dirty="0"/>
-              <a:t>type of </a:t>
+              <a:t>Each type of </a:t>
             </a:r>
             <a:r>
               <a:rPr lang="en-US" dirty="0" err="1">
@@ -5863,21 +5662,13 @@
             </a:r>
             <a:r>
               <a:rPr lang="en-US" dirty="0"/>
-              <a:t> accepts only a subset of all </a:t>
-            </a:r>
-            <a:r>
-              <a:rPr lang="en-US" dirty="0" smtClean="0"/>
-              <a:t>aesthetics. </a:t>
-            </a:r>
-          </a:p>
-          <a:p>
-            <a:r>
-              <a:rPr lang="en-US" dirty="0" smtClean="0"/>
-              <a:t>Examples </a:t>
-            </a:r>
+              <a:t> accepts only a subset of all aesthetics. </a:t>
+            </a:r>
+          </a:p>
+          <a:p>
             <a:r>
               <a:rPr lang="en-US" dirty="0"/>
-              <a:t>include:</a:t>
+              <a:t>Examples include:</a:t>
             </a:r>
           </a:p>
           <a:p>
@@ -5918,21 +5709,20 @@
           <a:p>
             <a:pPr lvl="1"/>
             <a:r>
-              <a:rPr lang="en-US" dirty="0" smtClean="0"/>
+              <a:rPr lang="en-US" dirty="0"/>
               <a:t>size</a:t>
             </a:r>
           </a:p>
           <a:p>
             <a:pPr lvl="1"/>
             <a:r>
-              <a:rPr lang="mr-IN" dirty="0" smtClean="0"/>
+              <a:rPr lang="mr-IN" dirty="0"/>
               <a:t>…</a:t>
             </a:r>
             <a:r>
-              <a:rPr lang="en-US" dirty="0" smtClean="0"/>
+              <a:rPr lang="en-US" dirty="0"/>
               <a:t> and many more!</a:t>
             </a:r>
-            <a:endParaRPr lang="en-US" dirty="0"/>
           </a:p>
           <a:p>
             <a:endParaRPr lang="en-US" dirty="0"/>
@@ -6478,11 +6268,11 @@
           <a:lstStyle/>
           <a:p>
             <a:r>
-              <a:rPr lang="en-US" dirty="0" smtClean="0"/>
+              <a:rPr lang="en-US" dirty="0"/>
               <a:t>All you really need to know</a:t>
             </a:r>
             <a:r>
-              <a:rPr lang="mr-IN" dirty="0" smtClean="0"/>
+              <a:rPr lang="mr-IN" dirty="0"/>
               <a:t>…</a:t>
             </a:r>
             <a:endParaRPr lang="en-US" dirty="0"/>
@@ -6536,7 +6326,7 @@
           <a:lstStyle/>
           <a:p>
             <a:r>
-              <a:rPr lang="en-US" sz="4000" dirty="0" err="1" smtClean="0">
+              <a:rPr lang="en-US" sz="4000" dirty="0" err="1">
                 <a:solidFill>
                   <a:srgbClr val="003470"/>
                 </a:solidFill>
@@ -6547,7 +6337,7 @@
               <a:t>geoms</a:t>
             </a:r>
             <a:r>
-              <a:rPr lang="en-US" sz="4000" dirty="0" smtClean="0">
+              <a:rPr lang="en-US" sz="4000" dirty="0">
                 <a:solidFill>
                   <a:srgbClr val="003470"/>
                 </a:solidFill>
@@ -6558,7 +6348,7 @@
               <a:t> + </a:t>
             </a:r>
             <a:r>
-              <a:rPr lang="en-US" sz="4000" dirty="0" err="1" smtClean="0">
+              <a:rPr lang="en-US" sz="4000" dirty="0" err="1">
                 <a:solidFill>
                   <a:srgbClr val="003470"/>
                 </a:solidFill>
@@ -6569,7 +6359,7 @@
               <a:t>aes</a:t>
             </a:r>
             <a:r>
-              <a:rPr lang="en-US" sz="4000" dirty="0" smtClean="0">
+              <a:rPr lang="en-US" sz="4000" dirty="0">
                 <a:solidFill>
                   <a:srgbClr val="003470"/>
                 </a:solidFill>
@@ -6579,14 +6369,6 @@
               </a:rPr>
               <a:t>()</a:t>
             </a:r>
-            <a:endParaRPr lang="en-US" sz="4000" dirty="0">
-              <a:solidFill>
-                <a:srgbClr val="003470"/>
-              </a:solidFill>
-              <a:latin typeface="Courier" charset="0"/>
-              <a:ea typeface="Courier" charset="0"/>
-              <a:cs typeface="Courier" charset="0"/>
-            </a:endParaRPr>
           </a:p>
         </p:txBody>
       </p:sp>
@@ -6600,13 +6382,6 @@
   <p:clrMapOvr>
     <a:masterClrMapping/>
   </p:clrMapOvr>
-  <p:timing>
-    <p:tnLst>
-      <p:par>
-        <p:cTn id="1" dur="indefinite" restart="never" nodeType="tmRoot"/>
-      </p:par>
-    </p:tnLst>
-  </p:timing>
 </p:sld>
 </file>
 
@@ -6643,11 +6418,11 @@
           <a:lstStyle/>
           <a:p>
             <a:r>
-              <a:rPr lang="en-US" dirty="0" smtClean="0"/>
+              <a:rPr lang="en-US" dirty="0"/>
               <a:t>Lab: </a:t>
             </a:r>
             <a:r>
-              <a:rPr lang="en-US" dirty="0" smtClean="0">
+              <a:rPr lang="en-US" dirty="0">
                 <a:latin typeface="Courier" charset="0"/>
                 <a:ea typeface="Courier" charset="0"/>
                 <a:cs typeface="Courier" charset="0"/>
@@ -6655,16 +6430,12 @@
               <a:t>ggplot2</a:t>
             </a:r>
             <a:r>
-              <a:rPr lang="en-US" dirty="0" smtClean="0">
+              <a:rPr lang="en-US" dirty="0">
                 <a:ea typeface="Courier" charset="0"/>
                 <a:cs typeface="Courier" charset="0"/>
               </a:rPr>
               <a:t> refresher</a:t>
             </a:r>
-            <a:endParaRPr lang="en-US" dirty="0">
-              <a:ea typeface="Courier" charset="0"/>
-              <a:cs typeface="Courier" charset="0"/>
-            </a:endParaRPr>
           </a:p>
         </p:txBody>
       </p:sp>
@@ -6707,13 +6478,6 @@
   <p:clrMapOvr>
     <a:masterClrMapping/>
   </p:clrMapOvr>
-  <p:timing>
-    <p:tnLst>
-      <p:par>
-        <p:cTn id="1" dur="indefinite" restart="never" nodeType="tmRoot"/>
-      </p:par>
-    </p:tnLst>
-  </p:timing>
 </p:sld>
 </file>
 

--- a/lectures/02-ggplot2-crash-course.pptx
+++ b/lectures/02-ggplot2-crash-course.pptx
@@ -6279,9 +6279,84 @@
           </a:p>
         </p:txBody>
       </p:sp>
+      <p:sp>
+        <p:nvSpPr>
+          <p:cNvPr id="6" name="TextBox 5"/>
+          <p:cNvSpPr txBox="1"/>
+          <p:nvPr/>
+        </p:nvSpPr>
+        <p:spPr>
+          <a:xfrm>
+            <a:off x="2504519" y="5007114"/>
+            <a:ext cx="4185761" cy="707886"/>
+          </a:xfrm>
+          <a:prstGeom prst="rect">
+            <a:avLst/>
+          </a:prstGeom>
+          <a:noFill/>
+        </p:spPr>
+        <p:txBody>
+          <a:bodyPr wrap="none" rtlCol="0">
+            <a:spAutoFit/>
+          </a:bodyPr>
+          <a:lstStyle/>
+          <a:p>
+            <a:r>
+              <a:rPr lang="en-US" sz="4000" dirty="0" err="1">
+                <a:solidFill>
+                  <a:srgbClr val="003470"/>
+                </a:solidFill>
+                <a:latin typeface="Courier" charset="0"/>
+                <a:ea typeface="Courier" charset="0"/>
+                <a:cs typeface="Courier" charset="0"/>
+              </a:rPr>
+              <a:t>geoms</a:t>
+            </a:r>
+            <a:r>
+              <a:rPr lang="en-US" sz="4000" dirty="0">
+                <a:solidFill>
+                  <a:srgbClr val="003470"/>
+                </a:solidFill>
+                <a:latin typeface="Courier" charset="0"/>
+                <a:ea typeface="Courier" charset="0"/>
+                <a:cs typeface="Courier" charset="0"/>
+              </a:rPr>
+              <a:t> + </a:t>
+            </a:r>
+            <a:r>
+              <a:rPr lang="en-US" sz="4000" dirty="0" err="1">
+                <a:solidFill>
+                  <a:srgbClr val="003470"/>
+                </a:solidFill>
+                <a:latin typeface="Courier" charset="0"/>
+                <a:ea typeface="Courier" charset="0"/>
+                <a:cs typeface="Courier" charset="0"/>
+              </a:rPr>
+              <a:t>aes</a:t>
+            </a:r>
+            <a:r>
+              <a:rPr lang="en-US" sz="4000" dirty="0">
+                <a:solidFill>
+                  <a:srgbClr val="003470"/>
+                </a:solidFill>
+                <a:latin typeface="Courier" charset="0"/>
+                <a:ea typeface="Courier" charset="0"/>
+                <a:cs typeface="Courier" charset="0"/>
+              </a:rPr>
+              <a:t>()</a:t>
+            </a:r>
+          </a:p>
+        </p:txBody>
+      </p:sp>
       <p:pic>
         <p:nvPicPr>
-          <p:cNvPr id="4" name="Picture 3"/>
+          <p:cNvPr id="3" name="Picture 2">
+            <a:extLst>
+              <a:ext uri="{FF2B5EF4-FFF2-40B4-BE49-F238E27FC236}">
+                <a16:creationId xmlns:a16="http://schemas.microsoft.com/office/drawing/2014/main" id="{2BC2B92B-CC22-CB41-AD06-90DE3B18E698}"/>
+              </a:ext>
+            </a:extLst>
+          </p:cNvPr>
           <p:cNvPicPr>
             <a:picLocks noChangeAspect="1"/>
           </p:cNvPicPr>
@@ -6295,83 +6370,14 @@
         </p:blipFill>
         <p:spPr>
           <a:xfrm>
-            <a:off x="3429000" y="2057400"/>
-            <a:ext cx="2336800" cy="2628900"/>
+            <a:off x="228600" y="1725705"/>
+            <a:ext cx="8458200" cy="3316941"/>
           </a:xfrm>
           <a:prstGeom prst="rect">
             <a:avLst/>
           </a:prstGeom>
         </p:spPr>
       </p:pic>
-      <p:sp>
-        <p:nvSpPr>
-          <p:cNvPr id="6" name="TextBox 5"/>
-          <p:cNvSpPr txBox="1"/>
-          <p:nvPr/>
-        </p:nvSpPr>
-        <p:spPr>
-          <a:xfrm>
-            <a:off x="2504519" y="4686300"/>
-            <a:ext cx="4185761" cy="707886"/>
-          </a:xfrm>
-          <a:prstGeom prst="rect">
-            <a:avLst/>
-          </a:prstGeom>
-          <a:noFill/>
-        </p:spPr>
-        <p:txBody>
-          <a:bodyPr wrap="none" rtlCol="0">
-            <a:spAutoFit/>
-          </a:bodyPr>
-          <a:lstStyle/>
-          <a:p>
-            <a:r>
-              <a:rPr lang="en-US" sz="4000" dirty="0" err="1">
-                <a:solidFill>
-                  <a:srgbClr val="003470"/>
-                </a:solidFill>
-                <a:latin typeface="Courier" charset="0"/>
-                <a:ea typeface="Courier" charset="0"/>
-                <a:cs typeface="Courier" charset="0"/>
-              </a:rPr>
-              <a:t>geoms</a:t>
-            </a:r>
-            <a:r>
-              <a:rPr lang="en-US" sz="4000" dirty="0">
-                <a:solidFill>
-                  <a:srgbClr val="003470"/>
-                </a:solidFill>
-                <a:latin typeface="Courier" charset="0"/>
-                <a:ea typeface="Courier" charset="0"/>
-                <a:cs typeface="Courier" charset="0"/>
-              </a:rPr>
-              <a:t> + </a:t>
-            </a:r>
-            <a:r>
-              <a:rPr lang="en-US" sz="4000" dirty="0" err="1">
-                <a:solidFill>
-                  <a:srgbClr val="003470"/>
-                </a:solidFill>
-                <a:latin typeface="Courier" charset="0"/>
-                <a:ea typeface="Courier" charset="0"/>
-                <a:cs typeface="Courier" charset="0"/>
-              </a:rPr>
-              <a:t>aes</a:t>
-            </a:r>
-            <a:r>
-              <a:rPr lang="en-US" sz="4000" dirty="0">
-                <a:solidFill>
-                  <a:srgbClr val="003470"/>
-                </a:solidFill>
-                <a:latin typeface="Courier" charset="0"/>
-                <a:ea typeface="Courier" charset="0"/>
-                <a:cs typeface="Courier" charset="0"/>
-              </a:rPr>
-              <a:t>()</a:t>
-            </a:r>
-          </a:p>
-        </p:txBody>
-      </p:sp>
     </p:spTree>
     <p:extLst>
       <p:ext uri="{BB962C8B-B14F-4D97-AF65-F5344CB8AC3E}">
@@ -6434,8 +6440,19 @@
                 <a:ea typeface="Courier" charset="0"/>
                 <a:cs typeface="Courier" charset="0"/>
               </a:rPr>
-              <a:t> refresher</a:t>
-            </a:r>
+              <a:t> </a:t>
+            </a:r>
+            <a:r>
+              <a:rPr lang="en-US">
+                <a:ea typeface="Courier" charset="0"/>
+                <a:cs typeface="Courier" charset="0"/>
+              </a:rPr>
+              <a:t>crash course</a:t>
+            </a:r>
+            <a:endParaRPr lang="en-US" dirty="0">
+              <a:ea typeface="Courier" charset="0"/>
+              <a:cs typeface="Courier" charset="0"/>
+            </a:endParaRPr>
           </a:p>
         </p:txBody>
       </p:sp>
@@ -6457,14 +6474,13 @@
               </a:ext>
             </a:extLst>
           </a:blip>
-          <a:stretch>
-            <a:fillRect/>
-          </a:stretch>
+          <a:srcRect/>
+          <a:stretch/>
         </p:blipFill>
         <p:spPr>
           <a:xfrm>
-            <a:off x="304800" y="1450649"/>
-            <a:ext cx="8607624" cy="5223466"/>
+            <a:off x="270896" y="990600"/>
+            <a:ext cx="8671086" cy="5683515"/>
           </a:xfrm>
         </p:spPr>
       </p:pic>

--- a/lectures/02-ggplot2-crash-course.pptx
+++ b/lectures/02-ggplot2-crash-course.pptx
@@ -6440,19 +6440,8 @@
                 <a:ea typeface="Courier" charset="0"/>
                 <a:cs typeface="Courier" charset="0"/>
               </a:rPr>
-              <a:t> </a:t>
-            </a:r>
-            <a:r>
-              <a:rPr lang="en-US">
-                <a:ea typeface="Courier" charset="0"/>
-                <a:cs typeface="Courier" charset="0"/>
-              </a:rPr>
-              <a:t>crash course</a:t>
-            </a:r>
-            <a:endParaRPr lang="en-US" dirty="0">
-              <a:ea typeface="Courier" charset="0"/>
-              <a:cs typeface="Courier" charset="0"/>
-            </a:endParaRPr>
+              <a:t> crash course</a:t>
+            </a:r>
           </a:p>
         </p:txBody>
       </p:sp>
@@ -6479,8 +6468,8 @@
         </p:blipFill>
         <p:spPr>
           <a:xfrm>
-            <a:off x="270896" y="990600"/>
-            <a:ext cx="8671086" cy="5683515"/>
+            <a:off x="270897" y="990600"/>
+            <a:ext cx="8602866" cy="5638800"/>
           </a:xfrm>
         </p:spPr>
       </p:pic>

--- a/lectures/02-ggplot2-crash-course.pptx
+++ b/lectures/02-ggplot2-crash-course.pptx
@@ -216,7 +216,7 @@
             <a:fld id="{6F801F3F-85FD-4D6D-9902-DE21320E0477}" type="datetimeFigureOut">
               <a:rPr lang="en-US" smtClean="0"/>
               <a:pPr/>
-              <a:t>6/23/19</a:t>
+              <a:t>7/6/20</a:t>
             </a:fld>
             <a:endParaRPr lang="en-US"/>
           </a:p>
@@ -760,7 +760,7 @@
             <a:fld id="{104E1C1F-C217-4AD6-AF7C-55411A2E8AB0}" type="datetimeFigureOut">
               <a:rPr lang="en-US" smtClean="0"/>
               <a:pPr/>
-              <a:t>6/23/19</a:t>
+              <a:t>7/6/20</a:t>
             </a:fld>
             <a:endParaRPr lang="en-US"/>
           </a:p>
@@ -960,7 +960,7 @@
             <a:fld id="{104E1C1F-C217-4AD6-AF7C-55411A2E8AB0}" type="datetimeFigureOut">
               <a:rPr lang="en-US" smtClean="0"/>
               <a:pPr/>
-              <a:t>6/23/19</a:t>
+              <a:t>7/6/20</a:t>
             </a:fld>
             <a:endParaRPr lang="en-US"/>
           </a:p>
@@ -1137,7 +1137,7 @@
             <a:fld id="{104E1C1F-C217-4AD6-AF7C-55411A2E8AB0}" type="datetimeFigureOut">
               <a:rPr lang="en-US" smtClean="0"/>
               <a:pPr/>
-              <a:t>6/23/19</a:t>
+              <a:t>7/6/20</a:t>
             </a:fld>
             <a:endParaRPr lang="en-US"/>
           </a:p>
@@ -1309,7 +1309,7 @@
             <a:fld id="{104E1C1F-C217-4AD6-AF7C-55411A2E8AB0}" type="datetimeFigureOut">
               <a:rPr lang="en-US" smtClean="0"/>
               <a:pPr/>
-              <a:t>6/23/19</a:t>
+              <a:t>7/6/20</a:t>
             </a:fld>
             <a:endParaRPr lang="en-US"/>
           </a:p>
@@ -1559,7 +1559,7 @@
             <a:fld id="{104E1C1F-C217-4AD6-AF7C-55411A2E8AB0}" type="datetimeFigureOut">
               <a:rPr lang="en-US" smtClean="0"/>
               <a:pPr/>
-              <a:t>6/23/19</a:t>
+              <a:t>7/6/20</a:t>
             </a:fld>
             <a:endParaRPr lang="en-US"/>
           </a:p>
@@ -1877,7 +1877,7 @@
             <a:fld id="{104E1C1F-C217-4AD6-AF7C-55411A2E8AB0}" type="datetimeFigureOut">
               <a:rPr lang="en-US" smtClean="0"/>
               <a:pPr/>
-              <a:t>6/23/19</a:t>
+              <a:t>7/6/20</a:t>
             </a:fld>
             <a:endParaRPr lang="en-US"/>
           </a:p>
@@ -2345,7 +2345,7 @@
             <a:fld id="{104E1C1F-C217-4AD6-AF7C-55411A2E8AB0}" type="datetimeFigureOut">
               <a:rPr lang="en-US" smtClean="0"/>
               <a:pPr/>
-              <a:t>6/23/19</a:t>
+              <a:t>7/6/20</a:t>
             </a:fld>
             <a:endParaRPr lang="en-US"/>
           </a:p>
@@ -2494,7 +2494,7 @@
             <a:fld id="{104E1C1F-C217-4AD6-AF7C-55411A2E8AB0}" type="datetimeFigureOut">
               <a:rPr lang="en-US" smtClean="0"/>
               <a:pPr/>
-              <a:t>6/23/19</a:t>
+              <a:t>7/6/20</a:t>
             </a:fld>
             <a:endParaRPr lang="en-US"/>
           </a:p>
@@ -2586,7 +2586,7 @@
             <a:fld id="{104E1C1F-C217-4AD6-AF7C-55411A2E8AB0}" type="datetimeFigureOut">
               <a:rPr lang="en-US" smtClean="0"/>
               <a:pPr/>
-              <a:t>6/23/19</a:t>
+              <a:t>7/6/20</a:t>
             </a:fld>
             <a:endParaRPr lang="en-US"/>
           </a:p>
@@ -2862,7 +2862,7 @@
             <a:fld id="{104E1C1F-C217-4AD6-AF7C-55411A2E8AB0}" type="datetimeFigureOut">
               <a:rPr lang="en-US" smtClean="0"/>
               <a:pPr/>
-              <a:t>6/23/19</a:t>
+              <a:t>7/6/20</a:t>
             </a:fld>
             <a:endParaRPr lang="en-US"/>
           </a:p>
@@ -3169,7 +3169,7 @@
             <a:fld id="{104E1C1F-C217-4AD6-AF7C-55411A2E8AB0}" type="datetimeFigureOut">
               <a:rPr lang="en-US" smtClean="0"/>
               <a:pPr/>
-              <a:t>6/23/19</a:t>
+              <a:t>7/6/20</a:t>
             </a:fld>
             <a:endParaRPr lang="en-US"/>
           </a:p>
@@ -3467,7 +3467,7 @@
             <a:fld id="{104E1C1F-C217-4AD6-AF7C-55411A2E8AB0}" type="datetimeFigureOut">
               <a:rPr lang="en-US" smtClean="0"/>
               <a:pPr/>
-              <a:t>6/23/19</a:t>
+              <a:t>7/6/20</a:t>
             </a:fld>
             <a:endParaRPr lang="en-US"/>
           </a:p>
@@ -3882,7 +3882,7 @@
           <a:p>
             <a:r>
               <a:rPr lang="en-US" sz="2400" cap="none" dirty="0"/>
-              <a:t>MassMutual DSDP 2019: </a:t>
+              <a:t>MassMutual DSDP/DEDP 2020: </a:t>
             </a:r>
             <a:br>
               <a:rPr lang="en-US" dirty="0"/>
@@ -3926,7 +3926,7 @@
           <a:p>
             <a:r>
               <a:rPr lang="en-US" dirty="0"/>
-              <a:t>June 24, 2019</a:t>
+              <a:t>July 6, 2020</a:t>
             </a:r>
           </a:p>
           <a:p>
@@ -6468,8 +6468,8 @@
         </p:blipFill>
         <p:spPr>
           <a:xfrm>
-            <a:off x="270897" y="990600"/>
-            <a:ext cx="8602866" cy="5638800"/>
+            <a:off x="270897" y="1409790"/>
+            <a:ext cx="8602866" cy="4800419"/>
           </a:xfrm>
         </p:spPr>
       </p:pic>

--- a/lectures/02-ggplot2-crash-course.pptx
+++ b/lectures/02-ggplot2-crash-course.pptx
@@ -216,7 +216,7 @@
             <a:fld id="{6F801F3F-85FD-4D6D-9902-DE21320E0477}" type="datetimeFigureOut">
               <a:rPr lang="en-US" smtClean="0"/>
               <a:pPr/>
-              <a:t>7/6/20</a:t>
+              <a:t>6/28/21</a:t>
             </a:fld>
             <a:endParaRPr lang="en-US"/>
           </a:p>
@@ -760,7 +760,7 @@
             <a:fld id="{104E1C1F-C217-4AD6-AF7C-55411A2E8AB0}" type="datetimeFigureOut">
               <a:rPr lang="en-US" smtClean="0"/>
               <a:pPr/>
-              <a:t>7/6/20</a:t>
+              <a:t>6/28/21</a:t>
             </a:fld>
             <a:endParaRPr lang="en-US"/>
           </a:p>
@@ -960,7 +960,7 @@
             <a:fld id="{104E1C1F-C217-4AD6-AF7C-55411A2E8AB0}" type="datetimeFigureOut">
               <a:rPr lang="en-US" smtClean="0"/>
               <a:pPr/>
-              <a:t>7/6/20</a:t>
+              <a:t>6/28/21</a:t>
             </a:fld>
             <a:endParaRPr lang="en-US"/>
           </a:p>
@@ -1137,7 +1137,7 @@
             <a:fld id="{104E1C1F-C217-4AD6-AF7C-55411A2E8AB0}" type="datetimeFigureOut">
               <a:rPr lang="en-US" smtClean="0"/>
               <a:pPr/>
-              <a:t>7/6/20</a:t>
+              <a:t>6/28/21</a:t>
             </a:fld>
             <a:endParaRPr lang="en-US"/>
           </a:p>
@@ -1309,7 +1309,7 @@
             <a:fld id="{104E1C1F-C217-4AD6-AF7C-55411A2E8AB0}" type="datetimeFigureOut">
               <a:rPr lang="en-US" smtClean="0"/>
               <a:pPr/>
-              <a:t>7/6/20</a:t>
+              <a:t>6/28/21</a:t>
             </a:fld>
             <a:endParaRPr lang="en-US"/>
           </a:p>
@@ -1559,7 +1559,7 @@
             <a:fld id="{104E1C1F-C217-4AD6-AF7C-55411A2E8AB0}" type="datetimeFigureOut">
               <a:rPr lang="en-US" smtClean="0"/>
               <a:pPr/>
-              <a:t>7/6/20</a:t>
+              <a:t>6/28/21</a:t>
             </a:fld>
             <a:endParaRPr lang="en-US"/>
           </a:p>
@@ -1877,7 +1877,7 @@
             <a:fld id="{104E1C1F-C217-4AD6-AF7C-55411A2E8AB0}" type="datetimeFigureOut">
               <a:rPr lang="en-US" smtClean="0"/>
               <a:pPr/>
-              <a:t>7/6/20</a:t>
+              <a:t>6/28/21</a:t>
             </a:fld>
             <a:endParaRPr lang="en-US"/>
           </a:p>
@@ -2345,7 +2345,7 @@
             <a:fld id="{104E1C1F-C217-4AD6-AF7C-55411A2E8AB0}" type="datetimeFigureOut">
               <a:rPr lang="en-US" smtClean="0"/>
               <a:pPr/>
-              <a:t>7/6/20</a:t>
+              <a:t>6/28/21</a:t>
             </a:fld>
             <a:endParaRPr lang="en-US"/>
           </a:p>
@@ -2494,7 +2494,7 @@
             <a:fld id="{104E1C1F-C217-4AD6-AF7C-55411A2E8AB0}" type="datetimeFigureOut">
               <a:rPr lang="en-US" smtClean="0"/>
               <a:pPr/>
-              <a:t>7/6/20</a:t>
+              <a:t>6/28/21</a:t>
             </a:fld>
             <a:endParaRPr lang="en-US"/>
           </a:p>
@@ -2586,7 +2586,7 @@
             <a:fld id="{104E1C1F-C217-4AD6-AF7C-55411A2E8AB0}" type="datetimeFigureOut">
               <a:rPr lang="en-US" smtClean="0"/>
               <a:pPr/>
-              <a:t>7/6/20</a:t>
+              <a:t>6/28/21</a:t>
             </a:fld>
             <a:endParaRPr lang="en-US"/>
           </a:p>
@@ -2862,7 +2862,7 @@
             <a:fld id="{104E1C1F-C217-4AD6-AF7C-55411A2E8AB0}" type="datetimeFigureOut">
               <a:rPr lang="en-US" smtClean="0"/>
               <a:pPr/>
-              <a:t>7/6/20</a:t>
+              <a:t>6/28/21</a:t>
             </a:fld>
             <a:endParaRPr lang="en-US"/>
           </a:p>
@@ -3169,7 +3169,7 @@
             <a:fld id="{104E1C1F-C217-4AD6-AF7C-55411A2E8AB0}" type="datetimeFigureOut">
               <a:rPr lang="en-US" smtClean="0"/>
               <a:pPr/>
-              <a:t>7/6/20</a:t>
+              <a:t>6/28/21</a:t>
             </a:fld>
             <a:endParaRPr lang="en-US"/>
           </a:p>
@@ -3467,7 +3467,7 @@
             <a:fld id="{104E1C1F-C217-4AD6-AF7C-55411A2E8AB0}" type="datetimeFigureOut">
               <a:rPr lang="en-US" smtClean="0"/>
               <a:pPr/>
-              <a:t>7/6/20</a:t>
+              <a:t>6/28/21</a:t>
             </a:fld>
             <a:endParaRPr lang="en-US"/>
           </a:p>
@@ -3882,7 +3882,7 @@
           <a:p>
             <a:r>
               <a:rPr lang="en-US" sz="2400" cap="none" dirty="0"/>
-              <a:t>MassMutual DSDP/DEDP 2020: </a:t>
+              <a:t>MassMutual DSDP 2021: </a:t>
             </a:r>
             <a:br>
               <a:rPr lang="en-US" dirty="0"/>
@@ -3926,24 +3926,19 @@
           <a:p>
             <a:r>
               <a:rPr lang="en-US" dirty="0"/>
-              <a:t>July 6, 2020</a:t>
+              <a:t>June 28, 2021</a:t>
             </a:r>
           </a:p>
           <a:p>
             <a:r>
               <a:rPr lang="en-US" dirty="0"/>
-              <a:t>R. Jordan </a:t>
-            </a:r>
-            <a:r>
-              <a:rPr lang="en-US" dirty="0" err="1"/>
-              <a:t>Crouser</a:t>
-            </a:r>
-            <a:endParaRPr lang="en-US" dirty="0"/>
+              <a:t>R. Jordan Crouser</a:t>
+            </a:r>
           </a:p>
           <a:p>
             <a:r>
               <a:rPr lang="en-US" dirty="0"/>
-              <a:t>Assistant Professor of Computer Science</a:t>
+              <a:t>Associate Professor of Computer Science</a:t>
             </a:r>
           </a:p>
           <a:p>

--- a/lectures/02-ggplot2-crash-course.pptx
+++ b/lectures/02-ggplot2-crash-course.pptx
@@ -6463,8 +6463,8 @@
         </p:blipFill>
         <p:spPr>
           <a:xfrm>
-            <a:off x="270897" y="1409790"/>
-            <a:ext cx="8602866" cy="4800419"/>
+            <a:off x="311673" y="1409790"/>
+            <a:ext cx="8505050" cy="5143410"/>
           </a:xfrm>
         </p:spPr>
       </p:pic>
